--- a/Presentaciones/clase6.pptx
+++ b/Presentaciones/clase6.pptx
@@ -16,6 +16,8 @@
     <p:sldId id="264" r:id="rId10"/>
     <p:sldId id="265" r:id="rId11"/>
     <p:sldId id="266" r:id="rId12"/>
+    <p:sldId id="267" r:id="rId13"/>
+    <p:sldId id="268" r:id="rId14"/>
   </p:sldIdLst>
   <p:sldSz cx="12192000" cy="6858000"/>
   <p:notesSz cx="6858000" cy="9144000"/>
@@ -114,6 +116,11 @@
       </a:defRPr>
     </a:lvl9pPr>
   </p:defaultTextStyle>
+  <p:extLst>
+    <p:ext uri="{EFAFB233-063F-42B5-8137-9DF3F51BA10A}">
+      <p15:sldGuideLst xmlns:p15="http://schemas.microsoft.com/office/powerpoint/2012/main"/>
+    </p:ext>
+  </p:extLst>
 </p:presentation>
 </file>
 
@@ -248,7 +255,7 @@
           <a:p>
             <a:fld id="{A31117DB-5751-4EDA-A6E3-17458CFF4BFC}" type="datetimeFigureOut">
               <a:rPr lang="es-MX" smtClean="0"/>
-              <a:t>19/10/2020</a:t>
+              <a:t>29/10/2020</a:t>
             </a:fld>
             <a:endParaRPr lang="es-MX"/>
           </a:p>
@@ -418,7 +425,7 @@
           <a:p>
             <a:fld id="{A31117DB-5751-4EDA-A6E3-17458CFF4BFC}" type="datetimeFigureOut">
               <a:rPr lang="es-MX" smtClean="0"/>
-              <a:t>19/10/2020</a:t>
+              <a:t>29/10/2020</a:t>
             </a:fld>
             <a:endParaRPr lang="es-MX"/>
           </a:p>
@@ -598,7 +605,7 @@
           <a:p>
             <a:fld id="{A31117DB-5751-4EDA-A6E3-17458CFF4BFC}" type="datetimeFigureOut">
               <a:rPr lang="es-MX" smtClean="0"/>
-              <a:t>19/10/2020</a:t>
+              <a:t>29/10/2020</a:t>
             </a:fld>
             <a:endParaRPr lang="es-MX"/>
           </a:p>
@@ -768,7 +775,7 @@
           <a:p>
             <a:fld id="{A31117DB-5751-4EDA-A6E3-17458CFF4BFC}" type="datetimeFigureOut">
               <a:rPr lang="es-MX" smtClean="0"/>
-              <a:t>19/10/2020</a:t>
+              <a:t>29/10/2020</a:t>
             </a:fld>
             <a:endParaRPr lang="es-MX"/>
           </a:p>
@@ -1014,7 +1021,7 @@
           <a:p>
             <a:fld id="{A31117DB-5751-4EDA-A6E3-17458CFF4BFC}" type="datetimeFigureOut">
               <a:rPr lang="es-MX" smtClean="0"/>
-              <a:t>19/10/2020</a:t>
+              <a:t>29/10/2020</a:t>
             </a:fld>
             <a:endParaRPr lang="es-MX"/>
           </a:p>
@@ -1246,7 +1253,7 @@
           <a:p>
             <a:fld id="{A31117DB-5751-4EDA-A6E3-17458CFF4BFC}" type="datetimeFigureOut">
               <a:rPr lang="es-MX" smtClean="0"/>
-              <a:t>19/10/2020</a:t>
+              <a:t>29/10/2020</a:t>
             </a:fld>
             <a:endParaRPr lang="es-MX"/>
           </a:p>
@@ -1613,7 +1620,7 @@
           <a:p>
             <a:fld id="{A31117DB-5751-4EDA-A6E3-17458CFF4BFC}" type="datetimeFigureOut">
               <a:rPr lang="es-MX" smtClean="0"/>
-              <a:t>19/10/2020</a:t>
+              <a:t>29/10/2020</a:t>
             </a:fld>
             <a:endParaRPr lang="es-MX"/>
           </a:p>
@@ -1731,7 +1738,7 @@
           <a:p>
             <a:fld id="{A31117DB-5751-4EDA-A6E3-17458CFF4BFC}" type="datetimeFigureOut">
               <a:rPr lang="es-MX" smtClean="0"/>
-              <a:t>19/10/2020</a:t>
+              <a:t>29/10/2020</a:t>
             </a:fld>
             <a:endParaRPr lang="es-MX"/>
           </a:p>
@@ -1826,7 +1833,7 @@
           <a:p>
             <a:fld id="{A31117DB-5751-4EDA-A6E3-17458CFF4BFC}" type="datetimeFigureOut">
               <a:rPr lang="es-MX" smtClean="0"/>
-              <a:t>19/10/2020</a:t>
+              <a:t>29/10/2020</a:t>
             </a:fld>
             <a:endParaRPr lang="es-MX"/>
           </a:p>
@@ -2103,7 +2110,7 @@
           <a:p>
             <a:fld id="{A31117DB-5751-4EDA-A6E3-17458CFF4BFC}" type="datetimeFigureOut">
               <a:rPr lang="es-MX" smtClean="0"/>
-              <a:t>19/10/2020</a:t>
+              <a:t>29/10/2020</a:t>
             </a:fld>
             <a:endParaRPr lang="es-MX"/>
           </a:p>
@@ -2356,7 +2363,7 @@
           <a:p>
             <a:fld id="{A31117DB-5751-4EDA-A6E3-17458CFF4BFC}" type="datetimeFigureOut">
               <a:rPr lang="es-MX" smtClean="0"/>
-              <a:t>19/10/2020</a:t>
+              <a:t>29/10/2020</a:t>
             </a:fld>
             <a:endParaRPr lang="es-MX"/>
           </a:p>
@@ -2579,7 +2586,7 @@
           <a:p>
             <a:fld id="{A31117DB-5751-4EDA-A6E3-17458CFF4BFC}" type="datetimeFigureOut">
               <a:rPr lang="es-MX" smtClean="0"/>
-              <a:t>19/10/2020</a:t>
+              <a:t>29/10/2020</a:t>
             </a:fld>
             <a:endParaRPr lang="es-MX"/>
           </a:p>
@@ -4074,6 +4081,200 @@
 </p:sld>
 </file>
 
+<file path=ppt/slides/slide12.xml><?xml version="1.0" encoding="utf-8"?>
+<p:sld xmlns:a="http://schemas.openxmlformats.org/drawingml/2006/main" xmlns:r="http://schemas.openxmlformats.org/officeDocument/2006/relationships" xmlns:p="http://schemas.openxmlformats.org/presentationml/2006/main">
+  <p:cSld>
+    <p:spTree>
+      <p:nvGrpSpPr>
+        <p:cNvPr id="1" name=""/>
+        <p:cNvGrpSpPr/>
+        <p:nvPr/>
+      </p:nvGrpSpPr>
+      <p:grpSpPr>
+        <a:xfrm>
+          <a:off x="0" y="0"/>
+          <a:ext cx="0" cy="0"/>
+          <a:chOff x="0" y="0"/>
+          <a:chExt cx="0" cy="0"/>
+        </a:xfrm>
+      </p:grpSpPr>
+      <p:sp>
+        <p:nvSpPr>
+          <p:cNvPr id="3" name="CuadroTexto 2"/>
+          <p:cNvSpPr txBox="1"/>
+          <p:nvPr/>
+        </p:nvSpPr>
+        <p:spPr>
+          <a:xfrm>
+            <a:off x="0" y="0"/>
+            <a:ext cx="12192000" cy="6858000"/>
+          </a:xfrm>
+          <a:prstGeom prst="rect">
+            <a:avLst/>
+          </a:prstGeom>
+          <a:solidFill>
+            <a:srgbClr val="00B0F0">
+              <a:alpha val="40000"/>
+            </a:srgbClr>
+          </a:solidFill>
+        </p:spPr>
+        <p:txBody>
+          <a:bodyPr wrap="square" rtlCol="0">
+            <a:spAutoFit/>
+          </a:bodyPr>
+          <a:lstStyle/>
+          <a:p>
+            <a:endParaRPr lang="es-MX" dirty="0"/>
+          </a:p>
+        </p:txBody>
+      </p:sp>
+      <p:sp>
+        <p:nvSpPr>
+          <p:cNvPr id="2" name="CuadroTexto 1"/>
+          <p:cNvSpPr txBox="1"/>
+          <p:nvPr/>
+        </p:nvSpPr>
+        <p:spPr>
+          <a:xfrm>
+            <a:off x="0" y="2105561"/>
+            <a:ext cx="12192000" cy="2646878"/>
+          </a:xfrm>
+          <a:prstGeom prst="rect">
+            <a:avLst/>
+          </a:prstGeom>
+          <a:noFill/>
+        </p:spPr>
+        <p:txBody>
+          <a:bodyPr wrap="square" rtlCol="0">
+            <a:spAutoFit/>
+          </a:bodyPr>
+          <a:lstStyle/>
+          <a:p>
+            <a:pPr algn="ctr"/>
+            <a:r>
+              <a:rPr lang="es-MX" sz="16600" dirty="0" smtClean="0">
+                <a:latin typeface="Bahnschrift SemiBold Condensed" panose="020B0502040204020203" pitchFamily="34" charset="0"/>
+              </a:rPr>
+              <a:t>EJERCICIO</a:t>
+            </a:r>
+            <a:endParaRPr lang="es-MX" sz="16600" dirty="0">
+              <a:latin typeface="Bahnschrift SemiBold Condensed" panose="020B0502040204020203" pitchFamily="34" charset="0"/>
+            </a:endParaRPr>
+          </a:p>
+        </p:txBody>
+      </p:sp>
+    </p:spTree>
+    <p:extLst>
+      <p:ext uri="{BB962C8B-B14F-4D97-AF65-F5344CB8AC3E}">
+        <p14:creationId xmlns:p14="http://schemas.microsoft.com/office/powerpoint/2010/main" val="4244218584"/>
+      </p:ext>
+    </p:extLst>
+  </p:cSld>
+  <p:clrMapOvr>
+    <a:masterClrMapping/>
+  </p:clrMapOvr>
+</p:sld>
+</file>
+
+<file path=ppt/slides/slide13.xml><?xml version="1.0" encoding="utf-8"?>
+<p:sld xmlns:a="http://schemas.openxmlformats.org/drawingml/2006/main" xmlns:r="http://schemas.openxmlformats.org/officeDocument/2006/relationships" xmlns:p="http://schemas.openxmlformats.org/presentationml/2006/main">
+  <p:cSld>
+    <p:spTree>
+      <p:nvGrpSpPr>
+        <p:cNvPr id="1" name=""/>
+        <p:cNvGrpSpPr/>
+        <p:nvPr/>
+      </p:nvGrpSpPr>
+      <p:grpSpPr>
+        <a:xfrm>
+          <a:off x="0" y="0"/>
+          <a:ext cx="0" cy="0"/>
+          <a:chOff x="0" y="0"/>
+          <a:chExt cx="0" cy="0"/>
+        </a:xfrm>
+      </p:grpSpPr>
+      <p:sp>
+        <p:nvSpPr>
+          <p:cNvPr id="2" name="CuadroTexto 1"/>
+          <p:cNvSpPr txBox="1"/>
+          <p:nvPr/>
+        </p:nvSpPr>
+        <p:spPr>
+          <a:xfrm>
+            <a:off x="481670" y="1351508"/>
+            <a:ext cx="11228660" cy="4154984"/>
+          </a:xfrm>
+          <a:prstGeom prst="rect">
+            <a:avLst/>
+          </a:prstGeom>
+          <a:noFill/>
+        </p:spPr>
+        <p:txBody>
+          <a:bodyPr wrap="square" rtlCol="0">
+            <a:spAutoFit/>
+          </a:bodyPr>
+          <a:lstStyle/>
+          <a:p>
+            <a:r>
+              <a:rPr lang="es-MX" sz="4400" b="1" dirty="0" smtClean="0">
+                <a:latin typeface="HP Simplified Light" panose="020B0406020204020204" pitchFamily="34" charset="0"/>
+              </a:rPr>
+              <a:t>Elegir 5 objetos cualesquiera y obtener…</a:t>
+            </a:r>
+          </a:p>
+          <a:p>
+            <a:pPr marL="571500" indent="-571500">
+              <a:buFont typeface="Arial" panose="020B0604020202020204" pitchFamily="34" charset="0"/>
+              <a:buChar char="•"/>
+            </a:pPr>
+            <a:r>
+              <a:rPr lang="es-MX" sz="4400" dirty="0" smtClean="0">
+                <a:latin typeface="HP Simplified Light" panose="020B0406020204020204" pitchFamily="34" charset="0"/>
+              </a:rPr>
+              <a:t>Propiedades/Atributos</a:t>
+            </a:r>
+          </a:p>
+          <a:p>
+            <a:pPr marL="571500" indent="-571500">
+              <a:buFont typeface="Arial" panose="020B0604020202020204" pitchFamily="34" charset="0"/>
+              <a:buChar char="•"/>
+            </a:pPr>
+            <a:r>
+              <a:rPr lang="es-MX" sz="4400" dirty="0" smtClean="0">
+                <a:latin typeface="HP Simplified Light" panose="020B0406020204020204" pitchFamily="34" charset="0"/>
+              </a:rPr>
+              <a:t>Métodos/Funciones</a:t>
+            </a:r>
+          </a:p>
+          <a:p>
+            <a:endParaRPr lang="es-MX" sz="3600" dirty="0">
+              <a:latin typeface="HP Simplified Light" panose="020B0406020204020204" pitchFamily="34" charset="0"/>
+            </a:endParaRPr>
+          </a:p>
+          <a:p>
+            <a:pPr algn="ctr"/>
+            <a:r>
+              <a:rPr lang="es-MX" sz="4800" dirty="0" smtClean="0">
+                <a:latin typeface="HP Simplified Light" panose="020B0406020204020204" pitchFamily="34" charset="0"/>
+              </a:rPr>
+              <a:t>Escribir los datos en una tabla y programarlos</a:t>
+            </a:r>
+          </a:p>
+        </p:txBody>
+      </p:sp>
+    </p:spTree>
+    <p:extLst>
+      <p:ext uri="{BB962C8B-B14F-4D97-AF65-F5344CB8AC3E}">
+        <p14:creationId xmlns:p14="http://schemas.microsoft.com/office/powerpoint/2010/main" val="1100643506"/>
+      </p:ext>
+    </p:extLst>
+  </p:cSld>
+  <p:clrMapOvr>
+    <a:masterClrMapping/>
+  </p:clrMapOvr>
+</p:sld>
+</file>
+
 <file path=ppt/slides/slide2.xml><?xml version="1.0" encoding="utf-8"?>
 <p:sld xmlns:a="http://schemas.openxmlformats.org/drawingml/2006/main" xmlns:r="http://schemas.openxmlformats.org/officeDocument/2006/relationships" xmlns:p="http://schemas.openxmlformats.org/presentationml/2006/main">
   <p:cSld>

--- a/Presentaciones/clase6.pptx
+++ b/Presentaciones/clase6.pptx
@@ -255,7 +255,7 @@
           <a:p>
             <a:fld id="{A31117DB-5751-4EDA-A6E3-17458CFF4BFC}" type="datetimeFigureOut">
               <a:rPr lang="es-MX" smtClean="0"/>
-              <a:t>29/10/2020</a:t>
+              <a:t>03/11/2020</a:t>
             </a:fld>
             <a:endParaRPr lang="es-MX"/>
           </a:p>
@@ -425,7 +425,7 @@
           <a:p>
             <a:fld id="{A31117DB-5751-4EDA-A6E3-17458CFF4BFC}" type="datetimeFigureOut">
               <a:rPr lang="es-MX" smtClean="0"/>
-              <a:t>29/10/2020</a:t>
+              <a:t>03/11/2020</a:t>
             </a:fld>
             <a:endParaRPr lang="es-MX"/>
           </a:p>
@@ -605,7 +605,7 @@
           <a:p>
             <a:fld id="{A31117DB-5751-4EDA-A6E3-17458CFF4BFC}" type="datetimeFigureOut">
               <a:rPr lang="es-MX" smtClean="0"/>
-              <a:t>29/10/2020</a:t>
+              <a:t>03/11/2020</a:t>
             </a:fld>
             <a:endParaRPr lang="es-MX"/>
           </a:p>
@@ -775,7 +775,7 @@
           <a:p>
             <a:fld id="{A31117DB-5751-4EDA-A6E3-17458CFF4BFC}" type="datetimeFigureOut">
               <a:rPr lang="es-MX" smtClean="0"/>
-              <a:t>29/10/2020</a:t>
+              <a:t>03/11/2020</a:t>
             </a:fld>
             <a:endParaRPr lang="es-MX"/>
           </a:p>
@@ -1021,7 +1021,7 @@
           <a:p>
             <a:fld id="{A31117DB-5751-4EDA-A6E3-17458CFF4BFC}" type="datetimeFigureOut">
               <a:rPr lang="es-MX" smtClean="0"/>
-              <a:t>29/10/2020</a:t>
+              <a:t>03/11/2020</a:t>
             </a:fld>
             <a:endParaRPr lang="es-MX"/>
           </a:p>
@@ -1253,7 +1253,7 @@
           <a:p>
             <a:fld id="{A31117DB-5751-4EDA-A6E3-17458CFF4BFC}" type="datetimeFigureOut">
               <a:rPr lang="es-MX" smtClean="0"/>
-              <a:t>29/10/2020</a:t>
+              <a:t>03/11/2020</a:t>
             </a:fld>
             <a:endParaRPr lang="es-MX"/>
           </a:p>
@@ -1620,7 +1620,7 @@
           <a:p>
             <a:fld id="{A31117DB-5751-4EDA-A6E3-17458CFF4BFC}" type="datetimeFigureOut">
               <a:rPr lang="es-MX" smtClean="0"/>
-              <a:t>29/10/2020</a:t>
+              <a:t>03/11/2020</a:t>
             </a:fld>
             <a:endParaRPr lang="es-MX"/>
           </a:p>
@@ -1738,7 +1738,7 @@
           <a:p>
             <a:fld id="{A31117DB-5751-4EDA-A6E3-17458CFF4BFC}" type="datetimeFigureOut">
               <a:rPr lang="es-MX" smtClean="0"/>
-              <a:t>29/10/2020</a:t>
+              <a:t>03/11/2020</a:t>
             </a:fld>
             <a:endParaRPr lang="es-MX"/>
           </a:p>
@@ -1833,7 +1833,7 @@
           <a:p>
             <a:fld id="{A31117DB-5751-4EDA-A6E3-17458CFF4BFC}" type="datetimeFigureOut">
               <a:rPr lang="es-MX" smtClean="0"/>
-              <a:t>29/10/2020</a:t>
+              <a:t>03/11/2020</a:t>
             </a:fld>
             <a:endParaRPr lang="es-MX"/>
           </a:p>
@@ -2110,7 +2110,7 @@
           <a:p>
             <a:fld id="{A31117DB-5751-4EDA-A6E3-17458CFF4BFC}" type="datetimeFigureOut">
               <a:rPr lang="es-MX" smtClean="0"/>
-              <a:t>29/10/2020</a:t>
+              <a:t>03/11/2020</a:t>
             </a:fld>
             <a:endParaRPr lang="es-MX"/>
           </a:p>
@@ -2363,7 +2363,7 @@
           <a:p>
             <a:fld id="{A31117DB-5751-4EDA-A6E3-17458CFF4BFC}" type="datetimeFigureOut">
               <a:rPr lang="es-MX" smtClean="0"/>
-              <a:t>29/10/2020</a:t>
+              <a:t>03/11/2020</a:t>
             </a:fld>
             <a:endParaRPr lang="es-MX"/>
           </a:p>
@@ -2431,7 +2431,6 @@
       <p:bgPr>
         <a:blipFill dpi="0" rotWithShape="1">
           <a:blip r:embed="rId13">
-            <a:alphaModFix amt="20000"/>
             <a:lum/>
           </a:blip>
           <a:srcRect/>
@@ -2586,7 +2585,7 @@
           <a:p>
             <a:fld id="{A31117DB-5751-4EDA-A6E3-17458CFF4BFC}" type="datetimeFigureOut">
               <a:rPr lang="es-MX" smtClean="0"/>
-              <a:t>29/10/2020</a:t>
+              <a:t>03/11/2020</a:t>
             </a:fld>
             <a:endParaRPr lang="es-MX"/>
           </a:p>
